--- a/발표/텀프로젝트제안서-2016180027야준서.pptx
+++ b/발표/텀프로젝트제안서-2016180027야준서.pptx
@@ -963,53 +963,6 @@
         </a:p>
       </dgm:t>
     </dgm:pt>
-    <dgm:pt modelId="{82DF3F5F-7A33-42C6-A4A0-28C1380E8C97}">
-      <dgm:prSet phldrT="[텍스트]" custT="1"/>
-      <dgm:spPr>
-        <a:solidFill>
-          <a:srgbClr val="506270"/>
-        </a:solidFill>
-      </dgm:spPr>
-      <dgm:t>
-        <a:bodyPr/>
-        <a:lstStyle/>
-        <a:p>
-          <a:pPr latinLnBrk="1"/>
-          <a:r>
-            <a:rPr lang="en-US" altLang="en-US" sz="1400" b="1" dirty="0"/>
-            <a:t>01    </a:t>
-          </a:r>
-          <a:r>
-            <a:rPr lang="ko-KR" altLang="en-US" sz="1400" b="1" dirty="0"/>
-            <a:t>건강보험심사평가원 약국정보 서비스</a:t>
-          </a:r>
-        </a:p>
-      </dgm:t>
-    </dgm:pt>
-    <dgm:pt modelId="{647BE385-11A1-4EF3-855E-E431EA8244D2}" type="parTrans" cxnId="{F788F38C-6FE6-4FAC-B75A-34B3BC54CE65}">
-      <dgm:prSet/>
-      <dgm:spPr/>
-      <dgm:t>
-        <a:bodyPr/>
-        <a:lstStyle/>
-        <a:p>
-          <a:pPr latinLnBrk="1"/>
-          <a:endParaRPr lang="ko-KR" altLang="en-US" b="1"/>
-        </a:p>
-      </dgm:t>
-    </dgm:pt>
-    <dgm:pt modelId="{29671233-BA5F-442E-984B-780647082102}" type="sibTrans" cxnId="{F788F38C-6FE6-4FAC-B75A-34B3BC54CE65}">
-      <dgm:prSet/>
-      <dgm:spPr/>
-      <dgm:t>
-        <a:bodyPr/>
-        <a:lstStyle/>
-        <a:p>
-          <a:pPr latinLnBrk="1"/>
-          <a:endParaRPr lang="ko-KR" altLang="en-US" b="1"/>
-        </a:p>
-      </dgm:t>
-    </dgm:pt>
     <dgm:pt modelId="{5EF5BCB2-E227-4F77-8A7A-EA0963028CCB}">
       <dgm:prSet custT="1"/>
       <dgm:spPr>
@@ -1024,7 +977,7 @@
           <a:pPr latinLnBrk="1"/>
           <a:r>
             <a:rPr lang="en-US" altLang="en-US" sz="1400" b="1" dirty="0"/>
-            <a:t>02    </a:t>
+            <a:t>01    </a:t>
           </a:r>
           <a:r>
             <a:rPr lang="ko-KR" altLang="en-US" sz="1400" b="1" dirty="0"/>
@@ -1046,53 +999,6 @@
       </dgm:t>
     </dgm:pt>
     <dgm:pt modelId="{23DC2478-F7FD-403E-B13D-21F4F423CA8B}" type="sibTrans" cxnId="{3C641D48-C3D8-4BCA-AB86-D373D6E4C863}">
-      <dgm:prSet/>
-      <dgm:spPr/>
-      <dgm:t>
-        <a:bodyPr/>
-        <a:lstStyle/>
-        <a:p>
-          <a:pPr latinLnBrk="1"/>
-          <a:endParaRPr lang="ko-KR" altLang="en-US" b="1"/>
-        </a:p>
-      </dgm:t>
-    </dgm:pt>
-    <dgm:pt modelId="{2F2C1447-6109-4A72-BF78-506C01BCEC6B}">
-      <dgm:prSet custT="1"/>
-      <dgm:spPr>
-        <a:solidFill>
-          <a:srgbClr val="BB7243"/>
-        </a:solidFill>
-      </dgm:spPr>
-      <dgm:t>
-        <a:bodyPr/>
-        <a:lstStyle/>
-        <a:p>
-          <a:pPr latinLnBrk="1"/>
-          <a:r>
-            <a:rPr lang="en-US" altLang="en-US" sz="1400" b="1" dirty="0"/>
-            <a:t>03    </a:t>
-          </a:r>
-          <a:r>
-            <a:rPr lang="ko-KR" altLang="en-US" sz="1400" b="1" dirty="0"/>
-            <a:t>전국 약국 정보 조회 서비스</a:t>
-          </a:r>
-        </a:p>
-      </dgm:t>
-    </dgm:pt>
-    <dgm:pt modelId="{3D414C87-2FEB-4482-84D3-8C51BFC199B1}" type="parTrans" cxnId="{56BAABA6-11CA-4593-9AAC-577130CD5029}">
-      <dgm:prSet/>
-      <dgm:spPr/>
-      <dgm:t>
-        <a:bodyPr/>
-        <a:lstStyle/>
-        <a:p>
-          <a:pPr latinLnBrk="1"/>
-          <a:endParaRPr lang="ko-KR" altLang="en-US" b="1"/>
-        </a:p>
-      </dgm:t>
-    </dgm:pt>
-    <dgm:pt modelId="{82F45213-A999-4846-B086-38F5E462923E}" type="sibTrans" cxnId="{56BAABA6-11CA-4593-9AAC-577130CD5029}">
       <dgm:prSet/>
       <dgm:spPr/>
       <dgm:t>
@@ -1160,21 +1066,8 @@
       </dgm:prSet>
       <dgm:spPr/>
     </dgm:pt>
-    <dgm:pt modelId="{950EF782-5B1A-418D-AA25-41312D847310}" type="pres">
-      <dgm:prSet presAssocID="{82DF3F5F-7A33-42C6-A4A0-28C1380E8C97}" presName="parentText" presStyleLbl="node1" presStyleIdx="0" presStyleCnt="4">
-        <dgm:presLayoutVars>
-          <dgm:chMax val="0"/>
-          <dgm:bulletEnabled val="1"/>
-        </dgm:presLayoutVars>
-      </dgm:prSet>
-      <dgm:spPr/>
-    </dgm:pt>
-    <dgm:pt modelId="{DE5D83A2-A2F4-42B1-AF6B-26814240761F}" type="pres">
-      <dgm:prSet presAssocID="{29671233-BA5F-442E-984B-780647082102}" presName="spacer" presStyleCnt="0"/>
-      <dgm:spPr/>
-    </dgm:pt>
     <dgm:pt modelId="{8582E7E4-861A-407E-B836-3818FC557E68}" type="pres">
-      <dgm:prSet presAssocID="{5EF5BCB2-E227-4F77-8A7A-EA0963028CCB}" presName="parentText" presStyleLbl="node1" presStyleIdx="1" presStyleCnt="4">
+      <dgm:prSet presAssocID="{5EF5BCB2-E227-4F77-8A7A-EA0963028CCB}" presName="parentText" presStyleLbl="node1" presStyleIdx="0" presStyleCnt="2">
         <dgm:presLayoutVars>
           <dgm:chMax val="0"/>
           <dgm:bulletEnabled val="1"/>
@@ -1186,21 +1079,8 @@
       <dgm:prSet presAssocID="{23DC2478-F7FD-403E-B13D-21F4F423CA8B}" presName="spacer" presStyleCnt="0"/>
       <dgm:spPr/>
     </dgm:pt>
-    <dgm:pt modelId="{0D74DB7D-24AF-486E-8039-53799A71D146}" type="pres">
-      <dgm:prSet presAssocID="{2F2C1447-6109-4A72-BF78-506C01BCEC6B}" presName="parentText" presStyleLbl="node1" presStyleIdx="2" presStyleCnt="4">
-        <dgm:presLayoutVars>
-          <dgm:chMax val="0"/>
-          <dgm:bulletEnabled val="1"/>
-        </dgm:presLayoutVars>
-      </dgm:prSet>
-      <dgm:spPr/>
-    </dgm:pt>
-    <dgm:pt modelId="{45187083-3F09-4F10-B7C4-B78D7F6F05C5}" type="pres">
-      <dgm:prSet presAssocID="{82F45213-A999-4846-B086-38F5E462923E}" presName="spacer" presStyleCnt="0"/>
-      <dgm:spPr/>
-    </dgm:pt>
     <dgm:pt modelId="{10640B57-2131-4E6E-B6B2-3A4D47560CDC}" type="pres">
-      <dgm:prSet presAssocID="{410EC47F-A1EB-4DA8-B480-702F2F5922A8}" presName="parentText" presStyleLbl="node1" presStyleIdx="3" presStyleCnt="4">
+      <dgm:prSet presAssocID="{410EC47F-A1EB-4DA8-B480-702F2F5922A8}" presName="parentText" presStyleLbl="node1" presStyleIdx="1" presStyleCnt="2">
         <dgm:presLayoutVars>
           <dgm:chMax val="0"/>
           <dgm:bulletEnabled val="1"/>
@@ -1210,22 +1090,14 @@
     </dgm:pt>
   </dgm:ptLst>
   <dgm:cxnLst>
-    <dgm:cxn modelId="{3C641D48-C3D8-4BCA-AB86-D373D6E4C863}" srcId="{FCE2951D-4936-49A7-AFA1-7078F8115646}" destId="{5EF5BCB2-E227-4F77-8A7A-EA0963028CCB}" srcOrd="1" destOrd="0" parTransId="{2473351F-088B-48C2-9E7B-80BA1E8FAD8B}" sibTransId="{23DC2478-F7FD-403E-B13D-21F4F423CA8B}"/>
+    <dgm:cxn modelId="{3C641D48-C3D8-4BCA-AB86-D373D6E4C863}" srcId="{FCE2951D-4936-49A7-AFA1-7078F8115646}" destId="{5EF5BCB2-E227-4F77-8A7A-EA0963028CCB}" srcOrd="0" destOrd="0" parTransId="{2473351F-088B-48C2-9E7B-80BA1E8FAD8B}" sibTransId="{23DC2478-F7FD-403E-B13D-21F4F423CA8B}"/>
     <dgm:cxn modelId="{6EF55D89-6591-43E4-8FBF-8D034653097D}" type="presOf" srcId="{FCE2951D-4936-49A7-AFA1-7078F8115646}" destId="{A533FCD1-F82B-4043-82A2-7C5DE3D5496A}" srcOrd="0" destOrd="0" presId="urn:microsoft.com/office/officeart/2005/8/layout/vList2"/>
-    <dgm:cxn modelId="{F788F38C-6FE6-4FAC-B75A-34B3BC54CE65}" srcId="{FCE2951D-4936-49A7-AFA1-7078F8115646}" destId="{82DF3F5F-7A33-42C6-A4A0-28C1380E8C97}" srcOrd="0" destOrd="0" parTransId="{647BE385-11A1-4EF3-855E-E431EA8244D2}" sibTransId="{29671233-BA5F-442E-984B-780647082102}"/>
-    <dgm:cxn modelId="{4D71AFA1-BBD9-41FE-A2AC-60D305A4D308}" type="presOf" srcId="{2F2C1447-6109-4A72-BF78-506C01BCEC6B}" destId="{0D74DB7D-24AF-486E-8039-53799A71D146}" srcOrd="0" destOrd="0" presId="urn:microsoft.com/office/officeart/2005/8/layout/vList2"/>
-    <dgm:cxn modelId="{56BAABA6-11CA-4593-9AAC-577130CD5029}" srcId="{FCE2951D-4936-49A7-AFA1-7078F8115646}" destId="{2F2C1447-6109-4A72-BF78-506C01BCEC6B}" srcOrd="2" destOrd="0" parTransId="{3D414C87-2FEB-4482-84D3-8C51BFC199B1}" sibTransId="{82F45213-A999-4846-B086-38F5E462923E}"/>
     <dgm:cxn modelId="{689C6CB3-23FE-4E43-9EB4-7FE77DCF77A6}" type="presOf" srcId="{5EF5BCB2-E227-4F77-8A7A-EA0963028CCB}" destId="{8582E7E4-861A-407E-B836-3818FC557E68}" srcOrd="0" destOrd="0" presId="urn:microsoft.com/office/officeart/2005/8/layout/vList2"/>
-    <dgm:cxn modelId="{8C6187D4-8B86-4D89-90A5-832CCA898F1B}" srcId="{FCE2951D-4936-49A7-AFA1-7078F8115646}" destId="{410EC47F-A1EB-4DA8-B480-702F2F5922A8}" srcOrd="3" destOrd="0" parTransId="{719888A7-7F24-480D-86C1-9BC7BE1A3CAE}" sibTransId="{B4BCAEEA-BFE9-4BBE-A28E-A722AD9010B1}"/>
+    <dgm:cxn modelId="{8C6187D4-8B86-4D89-90A5-832CCA898F1B}" srcId="{FCE2951D-4936-49A7-AFA1-7078F8115646}" destId="{410EC47F-A1EB-4DA8-B480-702F2F5922A8}" srcOrd="1" destOrd="0" parTransId="{719888A7-7F24-480D-86C1-9BC7BE1A3CAE}" sibTransId="{B4BCAEEA-BFE9-4BBE-A28E-A722AD9010B1}"/>
     <dgm:cxn modelId="{184D76E3-266B-4DC9-8D7F-CF360E35B0CD}" type="presOf" srcId="{410EC47F-A1EB-4DA8-B480-702F2F5922A8}" destId="{10640B57-2131-4E6E-B6B2-3A4D47560CDC}" srcOrd="0" destOrd="0" presId="urn:microsoft.com/office/officeart/2005/8/layout/vList2"/>
-    <dgm:cxn modelId="{194958E7-1F1B-49EC-B13B-15F98B9728BD}" type="presOf" srcId="{82DF3F5F-7A33-42C6-A4A0-28C1380E8C97}" destId="{950EF782-5B1A-418D-AA25-41312D847310}" srcOrd="0" destOrd="0" presId="urn:microsoft.com/office/officeart/2005/8/layout/vList2"/>
-    <dgm:cxn modelId="{8B11C883-73E0-4DB8-9E6C-3048BD8A5B5F}" type="presParOf" srcId="{A533FCD1-F82B-4043-82A2-7C5DE3D5496A}" destId="{950EF782-5B1A-418D-AA25-41312D847310}" srcOrd="0" destOrd="0" presId="urn:microsoft.com/office/officeart/2005/8/layout/vList2"/>
-    <dgm:cxn modelId="{BDD6618D-CAAD-45BD-A49E-8F1D7FFAE5B2}" type="presParOf" srcId="{A533FCD1-F82B-4043-82A2-7C5DE3D5496A}" destId="{DE5D83A2-A2F4-42B1-AF6B-26814240761F}" srcOrd="1" destOrd="0" presId="urn:microsoft.com/office/officeart/2005/8/layout/vList2"/>
-    <dgm:cxn modelId="{E42B89F3-198E-4B14-AAA0-BF669C32587F}" type="presParOf" srcId="{A533FCD1-F82B-4043-82A2-7C5DE3D5496A}" destId="{8582E7E4-861A-407E-B836-3818FC557E68}" srcOrd="2" destOrd="0" presId="urn:microsoft.com/office/officeart/2005/8/layout/vList2"/>
-    <dgm:cxn modelId="{AC8864D2-8E13-448E-9539-38EF8D70EB6E}" type="presParOf" srcId="{A533FCD1-F82B-4043-82A2-7C5DE3D5496A}" destId="{662648EB-C980-4F25-841C-901FE2DAC7DA}" srcOrd="3" destOrd="0" presId="urn:microsoft.com/office/officeart/2005/8/layout/vList2"/>
-    <dgm:cxn modelId="{847627FA-3118-437F-BC2A-D0FCB410367F}" type="presParOf" srcId="{A533FCD1-F82B-4043-82A2-7C5DE3D5496A}" destId="{0D74DB7D-24AF-486E-8039-53799A71D146}" srcOrd="4" destOrd="0" presId="urn:microsoft.com/office/officeart/2005/8/layout/vList2"/>
-    <dgm:cxn modelId="{EF01BD66-764B-48A2-95CE-ED00104E4EFD}" type="presParOf" srcId="{A533FCD1-F82B-4043-82A2-7C5DE3D5496A}" destId="{45187083-3F09-4F10-B7C4-B78D7F6F05C5}" srcOrd="5" destOrd="0" presId="urn:microsoft.com/office/officeart/2005/8/layout/vList2"/>
-    <dgm:cxn modelId="{B0E564B5-06C6-4EAA-A1A9-D6A380030A4A}" type="presParOf" srcId="{A533FCD1-F82B-4043-82A2-7C5DE3D5496A}" destId="{10640B57-2131-4E6E-B6B2-3A4D47560CDC}" srcOrd="6" destOrd="0" presId="urn:microsoft.com/office/officeart/2005/8/layout/vList2"/>
+    <dgm:cxn modelId="{E42B89F3-198E-4B14-AAA0-BF669C32587F}" type="presParOf" srcId="{A533FCD1-F82B-4043-82A2-7C5DE3D5496A}" destId="{8582E7E4-861A-407E-B836-3818FC557E68}" srcOrd="0" destOrd="0" presId="urn:microsoft.com/office/officeart/2005/8/layout/vList2"/>
+    <dgm:cxn modelId="{AC8864D2-8E13-448E-9539-38EF8D70EB6E}" type="presParOf" srcId="{A533FCD1-F82B-4043-82A2-7C5DE3D5496A}" destId="{662648EB-C980-4F25-841C-901FE2DAC7DA}" srcOrd="1" destOrd="0" presId="urn:microsoft.com/office/officeart/2005/8/layout/vList2"/>
+    <dgm:cxn modelId="{B0E564B5-06C6-4EAA-A1A9-D6A380030A4A}" type="presParOf" srcId="{A533FCD1-F82B-4043-82A2-7C5DE3D5496A}" destId="{10640B57-2131-4E6E-B6B2-3A4D47560CDC}" srcOrd="2" destOrd="0" presId="urn:microsoft.com/office/officeart/2005/8/layout/vList2"/>
   </dgm:cxnLst>
   <dgm:bg/>
   <dgm:whole/>
@@ -1245,82 +1117,6 @@
       <dsp:cNvGrpSpPr/>
     </dsp:nvGrpSpPr>
     <dsp:grpSpPr/>
-    <dsp:sp modelId="{950EF782-5B1A-418D-AA25-41312D847310}">
-      <dsp:nvSpPr>
-        <dsp:cNvPr id="0" name=""/>
-        <dsp:cNvSpPr/>
-      </dsp:nvSpPr>
-      <dsp:spPr>
-        <a:xfrm>
-          <a:off x="0" y="37703"/>
-          <a:ext cx="7200800" cy="1048320"/>
-        </a:xfrm>
-        <a:prstGeom prst="roundRect">
-          <a:avLst/>
-        </a:prstGeom>
-        <a:solidFill>
-          <a:srgbClr val="506270"/>
-        </a:solidFill>
-        <a:ln w="25400" cap="flat" cmpd="sng" algn="ctr">
-          <a:solidFill>
-            <a:schemeClr val="lt1">
-              <a:hueOff val="0"/>
-              <a:satOff val="0"/>
-              <a:lumOff val="0"/>
-              <a:alphaOff val="0"/>
-            </a:schemeClr>
-          </a:solidFill>
-          <a:prstDash val="solid"/>
-        </a:ln>
-        <a:effectLst/>
-      </dsp:spPr>
-      <dsp:style>
-        <a:lnRef idx="2">
-          <a:scrgbClr r="0" g="0" b="0"/>
-        </a:lnRef>
-        <a:fillRef idx="1">
-          <a:scrgbClr r="0" g="0" b="0"/>
-        </a:fillRef>
-        <a:effectRef idx="0">
-          <a:scrgbClr r="0" g="0" b="0"/>
-        </a:effectRef>
-        <a:fontRef idx="minor">
-          <a:schemeClr val="lt1"/>
-        </a:fontRef>
-      </dsp:style>
-      <dsp:txBody>
-        <a:bodyPr spcFirstLastPara="0" vert="horz" wrap="square" lIns="53340" tIns="53340" rIns="53340" bIns="53340" numCol="1" spcCol="1270" anchor="ctr" anchorCtr="0">
-          <a:noAutofit/>
-        </a:bodyPr>
-        <a:lstStyle/>
-        <a:p>
-          <a:pPr marL="0" lvl="0" indent="0" algn="l" defTabSz="622300" latinLnBrk="1">
-            <a:lnSpc>
-              <a:spcPct val="90000"/>
-            </a:lnSpc>
-            <a:spcBef>
-              <a:spcPct val="0"/>
-            </a:spcBef>
-            <a:spcAft>
-              <a:spcPct val="35000"/>
-            </a:spcAft>
-            <a:buNone/>
-          </a:pPr>
-          <a:r>
-            <a:rPr lang="en-US" altLang="en-US" sz="1400" b="1" kern="1200" dirty="0"/>
-            <a:t>01    </a:t>
-          </a:r>
-          <a:r>
-            <a:rPr lang="ko-KR" altLang="en-US" sz="1400" b="1" kern="1200" dirty="0"/>
-            <a:t>건강보험심사평가원 약국정보 서비스</a:t>
-          </a:r>
-        </a:p>
-      </dsp:txBody>
-      <dsp:txXfrm>
-        <a:off x="51175" y="88878"/>
-        <a:ext cx="7098450" cy="945970"/>
-      </dsp:txXfrm>
-    </dsp:sp>
     <dsp:sp modelId="{8582E7E4-861A-407E-B836-3818FC557E68}">
       <dsp:nvSpPr>
         <dsp:cNvPr id="0" name=""/>
@@ -1328,8 +1124,8 @@
       </dsp:nvSpPr>
       <dsp:spPr>
         <a:xfrm>
-          <a:off x="0" y="1247303"/>
-          <a:ext cx="7200800" cy="1048320"/>
+          <a:off x="0" y="1065863"/>
+          <a:ext cx="7200800" cy="1216800"/>
         </a:xfrm>
         <a:prstGeom prst="roundRect">
           <a:avLst/>
@@ -1384,7 +1180,7 @@
           </a:pPr>
           <a:r>
             <a:rPr lang="en-US" altLang="en-US" sz="1400" b="1" kern="1200" dirty="0"/>
-            <a:t>02    </a:t>
+            <a:t>01    </a:t>
           </a:r>
           <a:r>
             <a:rPr lang="ko-KR" altLang="en-US" sz="1400" b="1" kern="1200" dirty="0"/>
@@ -1393,84 +1189,8 @@
         </a:p>
       </dsp:txBody>
       <dsp:txXfrm>
-        <a:off x="51175" y="1298478"/>
-        <a:ext cx="7098450" cy="945970"/>
-      </dsp:txXfrm>
-    </dsp:sp>
-    <dsp:sp modelId="{0D74DB7D-24AF-486E-8039-53799A71D146}">
-      <dsp:nvSpPr>
-        <dsp:cNvPr id="0" name=""/>
-        <dsp:cNvSpPr/>
-      </dsp:nvSpPr>
-      <dsp:spPr>
-        <a:xfrm>
-          <a:off x="0" y="2456904"/>
-          <a:ext cx="7200800" cy="1048320"/>
-        </a:xfrm>
-        <a:prstGeom prst="roundRect">
-          <a:avLst/>
-        </a:prstGeom>
-        <a:solidFill>
-          <a:srgbClr val="BB7243"/>
-        </a:solidFill>
-        <a:ln w="25400" cap="flat" cmpd="sng" algn="ctr">
-          <a:solidFill>
-            <a:schemeClr val="lt1">
-              <a:hueOff val="0"/>
-              <a:satOff val="0"/>
-              <a:lumOff val="0"/>
-              <a:alphaOff val="0"/>
-            </a:schemeClr>
-          </a:solidFill>
-          <a:prstDash val="solid"/>
-        </a:ln>
-        <a:effectLst/>
-      </dsp:spPr>
-      <dsp:style>
-        <a:lnRef idx="2">
-          <a:scrgbClr r="0" g="0" b="0"/>
-        </a:lnRef>
-        <a:fillRef idx="1">
-          <a:scrgbClr r="0" g="0" b="0"/>
-        </a:fillRef>
-        <a:effectRef idx="0">
-          <a:scrgbClr r="0" g="0" b="0"/>
-        </a:effectRef>
-        <a:fontRef idx="minor">
-          <a:schemeClr val="lt1"/>
-        </a:fontRef>
-      </dsp:style>
-      <dsp:txBody>
-        <a:bodyPr spcFirstLastPara="0" vert="horz" wrap="square" lIns="53340" tIns="53340" rIns="53340" bIns="53340" numCol="1" spcCol="1270" anchor="ctr" anchorCtr="0">
-          <a:noAutofit/>
-        </a:bodyPr>
-        <a:lstStyle/>
-        <a:p>
-          <a:pPr marL="0" lvl="0" indent="0" algn="l" defTabSz="622300" latinLnBrk="1">
-            <a:lnSpc>
-              <a:spcPct val="90000"/>
-            </a:lnSpc>
-            <a:spcBef>
-              <a:spcPct val="0"/>
-            </a:spcBef>
-            <a:spcAft>
-              <a:spcPct val="35000"/>
-            </a:spcAft>
-            <a:buNone/>
-          </a:pPr>
-          <a:r>
-            <a:rPr lang="en-US" altLang="en-US" sz="1400" b="1" kern="1200" dirty="0"/>
-            <a:t>03    </a:t>
-          </a:r>
-          <a:r>
-            <a:rPr lang="ko-KR" altLang="en-US" sz="1400" b="1" kern="1200" dirty="0"/>
-            <a:t>전국 약국 정보 조회 서비스</a:t>
-          </a:r>
-        </a:p>
-      </dsp:txBody>
-      <dsp:txXfrm>
-        <a:off x="51175" y="2508079"/>
-        <a:ext cx="7098450" cy="945970"/>
+        <a:off x="59399" y="1125262"/>
+        <a:ext cx="7082002" cy="1098002"/>
       </dsp:txXfrm>
     </dsp:sp>
     <dsp:sp modelId="{10640B57-2131-4E6E-B6B2-3A4D47560CDC}">
@@ -1480,8 +1200,8 @@
       </dsp:nvSpPr>
       <dsp:spPr>
         <a:xfrm>
-          <a:off x="0" y="3666504"/>
-          <a:ext cx="7200800" cy="1048320"/>
+          <a:off x="0" y="2469864"/>
+          <a:ext cx="7200800" cy="1216800"/>
         </a:xfrm>
         <a:prstGeom prst="roundRect">
           <a:avLst/>
@@ -1545,8 +1265,8 @@
         </a:p>
       </dsp:txBody>
       <dsp:txXfrm>
-        <a:off x="51175" y="3717679"/>
-        <a:ext cx="7098450" cy="945970"/>
+        <a:off x="59399" y="2529263"/>
+        <a:ext cx="7082002" cy="1098002"/>
       </dsp:txXfrm>
     </dsp:sp>
   </dsp:spTree>
@@ -2878,7 +2598,7 @@
               <a:pPr>
                 <a:defRPr/>
               </a:pPr>
-              <a:t>2020-05-28</a:t>
+              <a:t>2020-06-10</a:t>
             </a:fld>
             <a:endParaRPr lang="ko-KR" altLang="en-US"/>
           </a:p>
@@ -6705,7 +6425,7 @@
               <a:pPr>
                 <a:defRPr/>
               </a:pPr>
-              <a:t>2020-05-28</a:t>
+              <a:t>2020-06-10</a:t>
             </a:fld>
             <a:endParaRPr lang="ko-KR" altLang="en-US"/>
           </a:p>
@@ -6918,7 +6638,7 @@
               <a:pPr>
                 <a:defRPr/>
               </a:pPr>
-              <a:t>2020-05-28</a:t>
+              <a:t>2020-06-10</a:t>
             </a:fld>
             <a:endParaRPr lang="ko-KR" altLang="en-US"/>
           </a:p>
@@ -7141,7 +6861,7 @@
               <a:pPr>
                 <a:defRPr/>
               </a:pPr>
-              <a:t>2020-05-28</a:t>
+              <a:t>2020-06-10</a:t>
             </a:fld>
             <a:endParaRPr lang="ko-KR" altLang="en-US"/>
           </a:p>
@@ -7354,7 +7074,7 @@
               <a:pPr>
                 <a:defRPr/>
               </a:pPr>
-              <a:t>2020-05-28</a:t>
+              <a:t>2020-06-10</a:t>
             </a:fld>
             <a:endParaRPr lang="ko-KR" altLang="en-US"/>
           </a:p>
@@ -7644,7 +7364,7 @@
               <a:pPr>
                 <a:defRPr/>
               </a:pPr>
-              <a:t>2020-05-28</a:t>
+              <a:t>2020-06-10</a:t>
             </a:fld>
             <a:endParaRPr lang="ko-KR" altLang="en-US"/>
           </a:p>
@@ -7974,7 +7694,7 @@
               <a:pPr>
                 <a:defRPr/>
               </a:pPr>
-              <a:t>2020-05-28</a:t>
+              <a:t>2020-06-10</a:t>
             </a:fld>
             <a:endParaRPr lang="ko-KR" altLang="en-US"/>
           </a:p>
@@ -8438,7 +8158,7 @@
               <a:pPr>
                 <a:defRPr/>
               </a:pPr>
-              <a:t>2020-05-28</a:t>
+              <a:t>2020-06-10</a:t>
             </a:fld>
             <a:endParaRPr lang="ko-KR" altLang="en-US"/>
           </a:p>
@@ -8600,7 +8320,7 @@
               <a:pPr>
                 <a:defRPr/>
               </a:pPr>
-              <a:t>2020-05-28</a:t>
+              <a:t>2020-06-10</a:t>
             </a:fld>
             <a:endParaRPr lang="ko-KR" altLang="en-US"/>
           </a:p>
@@ -8740,7 +8460,7 @@
               <a:pPr>
                 <a:defRPr/>
               </a:pPr>
-              <a:t>2020-05-28</a:t>
+              <a:t>2020-06-10</a:t>
             </a:fld>
             <a:endParaRPr lang="ko-KR" altLang="en-US"/>
           </a:p>
@@ -9060,7 +8780,7 @@
               <a:pPr>
                 <a:defRPr/>
               </a:pPr>
-              <a:t>2020-05-28</a:t>
+              <a:t>2020-06-10</a:t>
             </a:fld>
             <a:endParaRPr lang="ko-KR" altLang="en-US"/>
           </a:p>
@@ -9360,7 +9080,7 @@
               <a:pPr>
                 <a:defRPr/>
               </a:pPr>
-              <a:t>2020-05-28</a:t>
+              <a:t>2020-06-10</a:t>
             </a:fld>
             <a:endParaRPr lang="ko-KR" altLang="en-US"/>
           </a:p>
@@ -9686,7 +9406,7 @@
               <a:pPr>
                 <a:defRPr/>
               </a:pPr>
-              <a:t>2020-05-28</a:t>
+              <a:t>2020-06-10</a:t>
             </a:fld>
             <a:endParaRPr lang="ko-KR" altLang="en-US"/>
           </a:p>
@@ -15067,7 +14787,7 @@
         <p:spPr bwMode="auto">
           <a:xfrm>
             <a:off x="1476375" y="2924175"/>
-            <a:ext cx="6696075" cy="1020216"/>
+            <a:ext cx="6696075" cy="697050"/>
           </a:xfrm>
           <a:prstGeom prst="rect">
             <a:avLst/>
@@ -15219,23 +14939,7 @@
                   <a:schemeClr val="bg1"/>
                 </a:solidFill>
               </a:rPr>
-              <a:t>주변 병원</a:t>
-            </a:r>
-            <a:r>
-              <a:rPr lang="en-US" altLang="ko-KR" sz="1400" b="1" dirty="0">
-                <a:solidFill>
-                  <a:schemeClr val="bg1"/>
-                </a:solidFill>
-              </a:rPr>
-              <a:t>, </a:t>
-            </a:r>
-            <a:r>
-              <a:rPr lang="ko-KR" altLang="en-US" sz="1400" b="1" dirty="0">
-                <a:solidFill>
-                  <a:schemeClr val="bg1"/>
-                </a:solidFill>
-              </a:rPr>
-              <a:t>약국과 같은 의료시설의 위치와 정보를 알려 줘 긴급 상황에 유용하게 쓸 수 있도록 한다</a:t>
+              <a:t>주변 의료시설의 위치와 정보를 알려 줘 긴급 상황에 유용하게 쓸 수 있도록 한다</a:t>
             </a:r>
             <a:r>
               <a:rPr lang="en-US" altLang="ko-KR" sz="1400" b="1" dirty="0">
@@ -16152,7 +15856,7 @@
           <p:nvPr>
             <p:extLst>
               <p:ext uri="{D42A27DB-BD31-4B8C-83A1-F6EECF244321}">
-                <p14:modId xmlns:p14="http://schemas.microsoft.com/office/powerpoint/2010/main" val="4030985609"/>
+                <p14:modId xmlns:p14="http://schemas.microsoft.com/office/powerpoint/2010/main" val="1345685056"/>
               </p:ext>
             </p:extLst>
           </p:nvPr>
@@ -16792,15 +16496,7 @@
             </a:pPr>
             <a:r>
               <a:rPr lang="ko-KR" altLang="en-US" dirty="0"/>
-              <a:t>전국 병원</a:t>
-            </a:r>
-            <a:r>
-              <a:rPr lang="en-US" altLang="ko-KR" dirty="0"/>
-              <a:t>, </a:t>
-            </a:r>
-            <a:r>
-              <a:rPr lang="ko-KR" altLang="en-US" dirty="0"/>
-              <a:t>약국 위치 검색 기능</a:t>
+              <a:t>병원 위치 검색 기능</a:t>
             </a:r>
             <a:endParaRPr lang="en-US" altLang="ko-KR" dirty="0"/>
           </a:p>
@@ -16830,38 +16526,9 @@
             </a:pPr>
             <a:r>
               <a:rPr lang="ko-KR" altLang="en-US" dirty="0"/>
-              <a:t>병원 약국 영업시간 </a:t>
+              <a:t>질병에 해당하는 병원 찾기 기능</a:t>
             </a:r>
             <a:endParaRPr lang="en-US" altLang="ko-KR" dirty="0"/>
-          </a:p>
-          <a:p>
-            <a:pPr marL="342900" indent="-342900" eaLnBrk="1" fontAlgn="auto" latinLnBrk="1" hangingPunct="1">
-              <a:spcBef>
-                <a:spcPts val="0"/>
-              </a:spcBef>
-              <a:spcAft>
-                <a:spcPts val="0"/>
-              </a:spcAft>
-              <a:buAutoNum type="arabicPeriod"/>
-              <a:defRPr/>
-            </a:pPr>
-            <a:endParaRPr lang="en-US" altLang="ko-KR" dirty="0"/>
-          </a:p>
-          <a:p>
-            <a:pPr marL="342900" indent="-342900" eaLnBrk="1" fontAlgn="auto" latinLnBrk="1" hangingPunct="1">
-              <a:spcBef>
-                <a:spcPts val="0"/>
-              </a:spcBef>
-              <a:spcAft>
-                <a:spcPts val="0"/>
-              </a:spcAft>
-              <a:buAutoNum type="arabicPeriod"/>
-              <a:defRPr/>
-            </a:pPr>
-            <a:r>
-              <a:rPr lang="ko-KR" altLang="en-US" dirty="0"/>
-              <a:t>약국에 마스크 수량 현황</a:t>
-            </a:r>
           </a:p>
         </p:txBody>
       </p:sp>
